--- a/ppt/01_基本事項.pptx
+++ b/ppt/01_基本事項.pptx
@@ -202,7 +202,7 @@
           <a:p>
             <a:fld id="{7472AC8F-9E49-464C-9607-B43BB7648CA8}" type="datetimeFigureOut">
               <a:rPr lang="zh-TW" altLang="en-US" smtClean="0"/>
-              <a:t>2024/8/28</a:t>
+              <a:t>2024/9/9</a:t>
             </a:fld>
             <a:endParaRPr lang="zh-TW" altLang="en-US"/>
           </a:p>
@@ -6131,19 +6131,6 @@
               <a:rPr lang="en-US" altLang="zh-TW"/>
               <a:t>(1)</a:t>
             </a:r>
-            <a:r>
-              <a:rPr lang="zh-TW" altLang="en-US"/>
-              <a:t> </a:t>
-            </a:r>
-            <a:r>
-              <a:rPr lang="en-US" altLang="zh-TW"/>
-              <a:t>+</a:t>
-            </a:r>
-            <a:r>
-              <a:rPr lang="zh-TW" altLang="en-US"/>
-              <a:t> 介面</a:t>
-            </a:r>
-            <a:endParaRPr lang="en-US" altLang="zh-TW"/>
           </a:p>
           <a:p>
             <a:pPr marL="514350" indent="-514350">
@@ -6156,7 +6143,7 @@
             </a:r>
             <a:r>
               <a:rPr lang="zh-TW" altLang="en-US"/>
-              <a:t> 泛型 </a:t>
+              <a:t> 介面 </a:t>
             </a:r>
             <a:r>
               <a:rPr lang="en-US" altLang="zh-TW"/>
@@ -6164,12 +6151,9 @@
             </a:r>
             <a:r>
               <a:rPr lang="zh-TW" altLang="en-US"/>
-              <a:t> 工具類別</a:t>
-            </a:r>
-            <a:r>
-              <a:rPr lang="en-US" altLang="zh-TW"/>
-              <a:t>(2)</a:t>
-            </a:r>
+              <a:t> 泛型</a:t>
+            </a:r>
+            <a:endParaRPr lang="en-US" altLang="zh-TW"/>
           </a:p>
           <a:p>
             <a:pPr marL="514350" indent="-514350">
@@ -6178,23 +6162,15 @@
             </a:pPr>
             <a:r>
               <a:rPr lang="en-US" altLang="zh-TW"/>
-              <a:t>(Java:</a:t>
-            </a:r>
-            <a:r>
-              <a:rPr lang="zh-TW" altLang="en-US"/>
-              <a:t> 例外處理</a:t>
+              <a:t>Java:</a:t>
+            </a:r>
+            <a:r>
+              <a:rPr lang="zh-TW" altLang="en-US"/>
+              <a:t> 工具類別</a:t>
             </a:r>
             <a:r>
               <a:rPr lang="en-US" altLang="zh-TW"/>
-              <a:t>)</a:t>
-            </a:r>
-            <a:r>
-              <a:rPr lang="zh-TW" altLang="en-US"/>
-              <a:t> </a:t>
-            </a:r>
-            <a:r>
-              <a:rPr lang="en-US" altLang="zh-TW"/>
-              <a:t>+</a:t>
+              <a:t>(2) +</a:t>
             </a:r>
             <a:r>
               <a:rPr lang="zh-TW" altLang="en-US"/>
@@ -6308,16 +6284,13 @@
             </a:pPr>
             <a:r>
               <a:rPr lang="en-US" altLang="zh-TW"/>
-              <a:t>(Java</a:t>
-            </a:r>
-            <a:r>
-              <a:rPr lang="zh-TW" altLang="en-US"/>
-              <a:t> 虛擬機</a:t>
-            </a:r>
-            <a:r>
-              <a:rPr lang="en-US" altLang="zh-TW"/>
-              <a:t>)</a:t>
-            </a:r>
+              <a:t>Java:</a:t>
+            </a:r>
+            <a:r>
+              <a:rPr lang="zh-TW" altLang="en-US"/>
+              <a:t> 例外處理</a:t>
+            </a:r>
+            <a:endParaRPr lang="en-US" altLang="zh-TW"/>
           </a:p>
           <a:p>
             <a:pPr marL="514350" indent="-514350">
@@ -6326,11 +6299,19 @@
             </a:pPr>
             <a:r>
               <a:rPr lang="en-US" altLang="zh-TW"/>
+              <a:t>Java</a:t>
+            </a:r>
+            <a:r>
+              <a:rPr lang="zh-TW" altLang="en-US"/>
+              <a:t> 虛擬機</a:t>
+            </a:r>
+            <a:r>
+              <a:rPr lang="en-US" altLang="zh-TW"/>
               <a:t>(</a:t>
             </a:r>
             <a:r>
               <a:rPr lang="zh-TW" altLang="en-US"/>
-              <a:t>電腦結構</a:t>
+              <a:t>彈</a:t>
             </a:r>
             <a:r>
               <a:rPr lang="en-US" altLang="zh-TW"/>
@@ -6343,34 +6324,21 @@
               <a:buAutoNum type="arabicPeriod"/>
             </a:pPr>
             <a:r>
+              <a:rPr lang="zh-TW" altLang="en-US"/>
+              <a:t>電腦結構</a:t>
+            </a:r>
+            <a:r>
               <a:rPr lang="en-US" altLang="zh-TW"/>
-              <a:t>Java:</a:t>
-            </a:r>
-            <a:r>
-              <a:rPr lang="zh-TW" altLang="en-US"/>
-              <a:t> </a:t>
+              <a:t>(</a:t>
+            </a:r>
+            <a:r>
+              <a:rPr lang="zh-TW" altLang="en-US"/>
+              <a:t>彈</a:t>
             </a:r>
             <a:r>
               <a:rPr lang="en-US" altLang="zh-TW"/>
-              <a:t>Maven</a:t>
-            </a:r>
-            <a:r>
-              <a:rPr lang="zh-TW" altLang="en-US"/>
-              <a:t> </a:t>
-            </a:r>
-            <a:r>
-              <a:rPr lang="en-US" altLang="zh-TW"/>
-              <a:t>+</a:t>
-            </a:r>
-            <a:r>
-              <a:rPr lang="zh-TW" altLang="en-US"/>
-              <a:t> </a:t>
-            </a:r>
-            <a:r>
-              <a:rPr lang="en-US" altLang="zh-TW"/>
-              <a:t>Gradle</a:t>
-            </a:r>
-            <a:endParaRPr lang="zh-TW" altLang="en-US"/>
+              <a:t>)</a:t>
+            </a:r>
           </a:p>
           <a:p>
             <a:pPr marL="514350" indent="-514350">

--- a/ppt/01_基本事項.pptx
+++ b/ppt/01_基本事項.pptx
@@ -5,15 +5,13 @@
     <p:sldMasterId id="2147483708" r:id="rId1"/>
   </p:sldMasterIdLst>
   <p:notesMasterIdLst>
-    <p:notesMasterId r:id="rId8"/>
+    <p:notesMasterId r:id="rId6"/>
   </p:notesMasterIdLst>
   <p:sldIdLst>
     <p:sldId id="256" r:id="rId2"/>
-    <p:sldId id="258" r:id="rId3"/>
-    <p:sldId id="260" r:id="rId4"/>
-    <p:sldId id="261" r:id="rId5"/>
-    <p:sldId id="262" r:id="rId6"/>
-    <p:sldId id="263" r:id="rId7"/>
+    <p:sldId id="260" r:id="rId3"/>
+    <p:sldId id="262" r:id="rId4"/>
+    <p:sldId id="263" r:id="rId5"/>
   </p:sldIdLst>
   <p:sldSz cx="12192000" cy="6858000"/>
   <p:notesSz cx="6858000" cy="9144000"/>
@@ -202,7 +200,7 @@
           <a:p>
             <a:fld id="{7472AC8F-9E49-464C-9607-B43BB7648CA8}" type="datetimeFigureOut">
               <a:rPr lang="zh-TW" altLang="en-US" smtClean="0"/>
-              <a:t>2024/9/9</a:t>
+              <a:t>2024/9/12</a:t>
             </a:fld>
             <a:endParaRPr lang="zh-TW" altLang="en-US"/>
           </a:p>
@@ -5661,92 +5659,6 @@
           <p:cNvPr id="2" name="標題 1">
             <a:extLst>
               <a:ext uri="{FF2B5EF4-FFF2-40B4-BE49-F238E27FC236}">
-                <a16:creationId xmlns:a16="http://schemas.microsoft.com/office/drawing/2014/main" id="{CB98995B-357D-4F44-A4E2-A0C09F37F17C}"/>
-              </a:ext>
-            </a:extLst>
-          </p:cNvPr>
-          <p:cNvSpPr>
-            <a:spLocks noGrp="1"/>
-          </p:cNvSpPr>
-          <p:nvPr>
-            <p:ph type="title"/>
-          </p:nvPr>
-        </p:nvSpPr>
-        <p:spPr/>
-        <p:txBody>
-          <a:bodyPr/>
-          <a:lstStyle/>
-          <a:p>
-            <a:r>
-              <a:rPr lang="zh-TW" altLang="en-US"/>
-              <a:t>群組</a:t>
-            </a:r>
-          </a:p>
-        </p:txBody>
-      </p:sp>
-      <p:sp>
-        <p:nvSpPr>
-          <p:cNvPr id="3" name="內容版面配置區 2">
-            <a:extLst>
-              <a:ext uri="{FF2B5EF4-FFF2-40B4-BE49-F238E27FC236}">
-                <a16:creationId xmlns:a16="http://schemas.microsoft.com/office/drawing/2014/main" id="{102D2FF3-4CEB-4C49-BBF6-0286ECE699B7}"/>
-              </a:ext>
-            </a:extLst>
-          </p:cNvPr>
-          <p:cNvSpPr>
-            <a:spLocks noGrp="1"/>
-          </p:cNvSpPr>
-          <p:nvPr>
-            <p:ph idx="1"/>
-          </p:nvPr>
-        </p:nvSpPr>
-        <p:spPr/>
-        <p:txBody>
-          <a:bodyPr/>
-          <a:lstStyle/>
-          <a:p>
-            <a:endParaRPr lang="zh-TW" altLang="en-US"/>
-          </a:p>
-        </p:txBody>
-      </p:sp>
-    </p:spTree>
-    <p:extLst>
-      <p:ext uri="{BB962C8B-B14F-4D97-AF65-F5344CB8AC3E}">
-        <p14:creationId xmlns:p14="http://schemas.microsoft.com/office/powerpoint/2010/main" val="34596487"/>
-      </p:ext>
-    </p:extLst>
-  </p:cSld>
-  <p:clrMapOvr>
-    <a:masterClrMapping/>
-  </p:clrMapOvr>
-  <p:transition spd="slow">
-    <p:push dir="u"/>
-  </p:transition>
-</p:sld>
-</file>
-
-<file path=ppt/slides/slide3.xml><?xml version="1.0" encoding="utf-8"?>
-<p:sld xmlns:a="http://schemas.openxmlformats.org/drawingml/2006/main" xmlns:r="http://schemas.openxmlformats.org/officeDocument/2006/relationships" xmlns:p="http://schemas.openxmlformats.org/presentationml/2006/main">
-  <p:cSld>
-    <p:spTree>
-      <p:nvGrpSpPr>
-        <p:cNvPr id="1" name=""/>
-        <p:cNvGrpSpPr/>
-        <p:nvPr/>
-      </p:nvGrpSpPr>
-      <p:grpSpPr>
-        <a:xfrm>
-          <a:off x="0" y="0"/>
-          <a:ext cx="0" cy="0"/>
-          <a:chOff x="0" y="0"/>
-          <a:chExt cx="0" cy="0"/>
-        </a:xfrm>
-      </p:grpSpPr>
-      <p:sp>
-        <p:nvSpPr>
-          <p:cNvPr id="2" name="標題 1">
-            <a:extLst>
-              <a:ext uri="{FF2B5EF4-FFF2-40B4-BE49-F238E27FC236}">
                 <a16:creationId xmlns:a16="http://schemas.microsoft.com/office/drawing/2014/main" id="{B86B356F-A419-467A-9583-07AC42719D2A}"/>
               </a:ext>
             </a:extLst>
@@ -5854,93 +5766,7 @@
 </p:sld>
 </file>
 
-<file path=ppt/slides/slide4.xml><?xml version="1.0" encoding="utf-8"?>
-<p:sld xmlns:a="http://schemas.openxmlformats.org/drawingml/2006/main" xmlns:r="http://schemas.openxmlformats.org/officeDocument/2006/relationships" xmlns:p="http://schemas.openxmlformats.org/presentationml/2006/main">
-  <p:cSld>
-    <p:spTree>
-      <p:nvGrpSpPr>
-        <p:cNvPr id="1" name=""/>
-        <p:cNvGrpSpPr/>
-        <p:nvPr/>
-      </p:nvGrpSpPr>
-      <p:grpSpPr>
-        <a:xfrm>
-          <a:off x="0" y="0"/>
-          <a:ext cx="0" cy="0"/>
-          <a:chOff x="0" y="0"/>
-          <a:chExt cx="0" cy="0"/>
-        </a:xfrm>
-      </p:grpSpPr>
-      <p:sp>
-        <p:nvSpPr>
-          <p:cNvPr id="2" name="標題 1">
-            <a:extLst>
-              <a:ext uri="{FF2B5EF4-FFF2-40B4-BE49-F238E27FC236}">
-                <a16:creationId xmlns:a16="http://schemas.microsoft.com/office/drawing/2014/main" id="{E18ABEBA-4B14-450D-BB23-005BB941EE9E}"/>
-              </a:ext>
-            </a:extLst>
-          </p:cNvPr>
-          <p:cNvSpPr>
-            <a:spLocks noGrp="1"/>
-          </p:cNvSpPr>
-          <p:nvPr>
-            <p:ph type="title"/>
-          </p:nvPr>
-        </p:nvSpPr>
-        <p:spPr/>
-        <p:txBody>
-          <a:bodyPr/>
-          <a:lstStyle/>
-          <a:p>
-            <a:r>
-              <a:rPr lang="zh-TW" altLang="en-US"/>
-              <a:t>相見歡</a:t>
-            </a:r>
-          </a:p>
-        </p:txBody>
-      </p:sp>
-      <p:sp>
-        <p:nvSpPr>
-          <p:cNvPr id="3" name="內容版面配置區 2">
-            <a:extLst>
-              <a:ext uri="{FF2B5EF4-FFF2-40B4-BE49-F238E27FC236}">
-                <a16:creationId xmlns:a16="http://schemas.microsoft.com/office/drawing/2014/main" id="{DADE6010-671D-4BF7-A95B-76094895CA57}"/>
-              </a:ext>
-            </a:extLst>
-          </p:cNvPr>
-          <p:cNvSpPr>
-            <a:spLocks noGrp="1"/>
-          </p:cNvSpPr>
-          <p:nvPr>
-            <p:ph idx="1"/>
-          </p:nvPr>
-        </p:nvSpPr>
-        <p:spPr/>
-        <p:txBody>
-          <a:bodyPr/>
-          <a:lstStyle/>
-          <a:p>
-            <a:endParaRPr lang="zh-TW" altLang="en-US"/>
-          </a:p>
-        </p:txBody>
-      </p:sp>
-    </p:spTree>
-    <p:extLst>
-      <p:ext uri="{BB962C8B-B14F-4D97-AF65-F5344CB8AC3E}">
-        <p14:creationId xmlns:p14="http://schemas.microsoft.com/office/powerpoint/2010/main" val="965241128"/>
-      </p:ext>
-    </p:extLst>
-  </p:cSld>
-  <p:clrMapOvr>
-    <a:masterClrMapping/>
-  </p:clrMapOvr>
-  <p:transition spd="slow">
-    <p:push dir="u"/>
-  </p:transition>
-</p:sld>
-</file>
-
-<file path=ppt/slides/slide5.xml><?xml version="1.0" encoding="utf-8"?>
+<file path=ppt/slides/slide3.xml><?xml version="1.0" encoding="utf-8"?>
 <p:sld xmlns:a="http://schemas.openxmlformats.org/drawingml/2006/main" xmlns:r="http://schemas.openxmlformats.org/officeDocument/2006/relationships" xmlns:p="http://schemas.openxmlformats.org/presentationml/2006/main">
   <p:cSld>
     <p:spTree>
@@ -6204,7 +6030,7 @@
 </p:sld>
 </file>
 
-<file path=ppt/slides/slide6.xml><?xml version="1.0" encoding="utf-8"?>
+<file path=ppt/slides/slide4.xml><?xml version="1.0" encoding="utf-8"?>
 <p:sld xmlns:a="http://schemas.openxmlformats.org/drawingml/2006/main" xmlns:r="http://schemas.openxmlformats.org/officeDocument/2006/relationships" xmlns:p="http://schemas.openxmlformats.org/presentationml/2006/main">
   <p:cSld>
     <p:spTree>

--- a/ppt/01_基本事項.pptx
+++ b/ppt/01_基本事項.pptx
@@ -200,7 +200,7 @@
           <a:p>
             <a:fld id="{7472AC8F-9E49-464C-9607-B43BB7648CA8}" type="datetimeFigureOut">
               <a:rPr lang="zh-TW" altLang="en-US" smtClean="0"/>
-              <a:t>2024/9/12</a:t>
+              <a:t>2024/9/14</a:t>
             </a:fld>
             <a:endParaRPr lang="zh-TW" altLang="en-US"/>
           </a:p>
